--- a/Cadeia circular de átomos.pptx
+++ b/Cadeia circular de átomos.pptx
@@ -118,7 +118,7 @@
   </p:defaultTextStyle>
   <p:extLst>
     <p:ext uri="{EFAFB233-063F-42B5-8137-9DF3F51BA10A}">
-      <p15:sldGuideLst xmlns:p15="http://schemas.microsoft.com/office/powerpoint/2012/main"/>
+      <p15:sldGuideLst xmlns:p15="http://schemas.microsoft.com/office/powerpoint/2012/main" xmlns=""/>
     </p:ext>
   </p:extLst>
 </p:presentation>
@@ -146,7 +146,7 @@
           <p:cNvPr id="2" name="Título 1">
             <a:extLst>
               <a:ext uri="{FF2B5EF4-FFF2-40B4-BE49-F238E27FC236}">
-                <a16:creationId xmlns:a16="http://schemas.microsoft.com/office/drawing/2014/main" id="{55E6CE44-B031-6360-E90B-DCA2AF3465B9}"/>
+                <a16:creationId xmlns:a16="http://schemas.microsoft.com/office/drawing/2014/main" xmlns="" id="{55E6CE44-B031-6360-E90B-DCA2AF3465B9}"/>
               </a:ext>
             </a:extLst>
           </p:cNvPr>
@@ -183,7 +183,7 @@
           <p:cNvPr id="3" name="Subtítulo 2">
             <a:extLst>
               <a:ext uri="{FF2B5EF4-FFF2-40B4-BE49-F238E27FC236}">
-                <a16:creationId xmlns:a16="http://schemas.microsoft.com/office/drawing/2014/main" id="{BFAC692C-A90C-A0D2-3C5E-E3F4090D697B}"/>
+                <a16:creationId xmlns:a16="http://schemas.microsoft.com/office/drawing/2014/main" xmlns="" id="{BFAC692C-A90C-A0D2-3C5E-E3F4090D697B}"/>
               </a:ext>
             </a:extLst>
           </p:cNvPr>
@@ -253,7 +253,7 @@
           <p:cNvPr id="4" name="Espaço Reservado para Data 3">
             <a:extLst>
               <a:ext uri="{FF2B5EF4-FFF2-40B4-BE49-F238E27FC236}">
-                <a16:creationId xmlns:a16="http://schemas.microsoft.com/office/drawing/2014/main" id="{207D457A-5594-6940-85B3-01454ED8A6FE}"/>
+                <a16:creationId xmlns:a16="http://schemas.microsoft.com/office/drawing/2014/main" xmlns="" id="{207D457A-5594-6940-85B3-01454ED8A6FE}"/>
               </a:ext>
             </a:extLst>
           </p:cNvPr>
@@ -282,7 +282,7 @@
           <p:cNvPr id="5" name="Espaço Reservado para Rodapé 4">
             <a:extLst>
               <a:ext uri="{FF2B5EF4-FFF2-40B4-BE49-F238E27FC236}">
-                <a16:creationId xmlns:a16="http://schemas.microsoft.com/office/drawing/2014/main" id="{271A9DD8-5459-B0BF-00D1-231F31CA3ED4}"/>
+                <a16:creationId xmlns:a16="http://schemas.microsoft.com/office/drawing/2014/main" xmlns="" id="{271A9DD8-5459-B0BF-00D1-231F31CA3ED4}"/>
               </a:ext>
             </a:extLst>
           </p:cNvPr>
@@ -307,7 +307,7 @@
           <p:cNvPr id="6" name="Espaço Reservado para Número de Slide 5">
             <a:extLst>
               <a:ext uri="{FF2B5EF4-FFF2-40B4-BE49-F238E27FC236}">
-                <a16:creationId xmlns:a16="http://schemas.microsoft.com/office/drawing/2014/main" id="{6C018D62-2E50-3984-EDAB-89F9B6BA6493}"/>
+                <a16:creationId xmlns:a16="http://schemas.microsoft.com/office/drawing/2014/main" xmlns="" id="{6C018D62-2E50-3984-EDAB-89F9B6BA6493}"/>
               </a:ext>
             </a:extLst>
           </p:cNvPr>
@@ -366,7 +366,7 @@
           <p:cNvPr id="2" name="Título 1">
             <a:extLst>
               <a:ext uri="{FF2B5EF4-FFF2-40B4-BE49-F238E27FC236}">
-                <a16:creationId xmlns:a16="http://schemas.microsoft.com/office/drawing/2014/main" id="{B47107B2-7083-DE7E-FE89-105737E78622}"/>
+                <a16:creationId xmlns:a16="http://schemas.microsoft.com/office/drawing/2014/main" xmlns="" id="{B47107B2-7083-DE7E-FE89-105737E78622}"/>
               </a:ext>
             </a:extLst>
           </p:cNvPr>
@@ -394,7 +394,7 @@
           <p:cNvPr id="3" name="Espaço Reservado para Texto Vertical 2">
             <a:extLst>
               <a:ext uri="{FF2B5EF4-FFF2-40B4-BE49-F238E27FC236}">
-                <a16:creationId xmlns:a16="http://schemas.microsoft.com/office/drawing/2014/main" id="{7F03211F-7D9B-B9C3-404F-B4147A8E5B9C}"/>
+                <a16:creationId xmlns:a16="http://schemas.microsoft.com/office/drawing/2014/main" xmlns="" id="{7F03211F-7D9B-B9C3-404F-B4147A8E5B9C}"/>
               </a:ext>
             </a:extLst>
           </p:cNvPr>
@@ -451,7 +451,7 @@
           <p:cNvPr id="4" name="Espaço Reservado para Data 3">
             <a:extLst>
               <a:ext uri="{FF2B5EF4-FFF2-40B4-BE49-F238E27FC236}">
-                <a16:creationId xmlns:a16="http://schemas.microsoft.com/office/drawing/2014/main" id="{A51C7565-2539-F11E-A36D-FEB69E02A2E2}"/>
+                <a16:creationId xmlns:a16="http://schemas.microsoft.com/office/drawing/2014/main" xmlns="" id="{A51C7565-2539-F11E-A36D-FEB69E02A2E2}"/>
               </a:ext>
             </a:extLst>
           </p:cNvPr>
@@ -480,7 +480,7 @@
           <p:cNvPr id="5" name="Espaço Reservado para Rodapé 4">
             <a:extLst>
               <a:ext uri="{FF2B5EF4-FFF2-40B4-BE49-F238E27FC236}">
-                <a16:creationId xmlns:a16="http://schemas.microsoft.com/office/drawing/2014/main" id="{FF2080A5-8FAF-7948-0234-940AE3442BBC}"/>
+                <a16:creationId xmlns:a16="http://schemas.microsoft.com/office/drawing/2014/main" xmlns="" id="{FF2080A5-8FAF-7948-0234-940AE3442BBC}"/>
               </a:ext>
             </a:extLst>
           </p:cNvPr>
@@ -505,7 +505,7 @@
           <p:cNvPr id="6" name="Espaço Reservado para Número de Slide 5">
             <a:extLst>
               <a:ext uri="{FF2B5EF4-FFF2-40B4-BE49-F238E27FC236}">
-                <a16:creationId xmlns:a16="http://schemas.microsoft.com/office/drawing/2014/main" id="{A923E200-76DE-90EF-99DF-F2F6750CC190}"/>
+                <a16:creationId xmlns:a16="http://schemas.microsoft.com/office/drawing/2014/main" xmlns="" id="{A923E200-76DE-90EF-99DF-F2F6750CC190}"/>
               </a:ext>
             </a:extLst>
           </p:cNvPr>
@@ -564,7 +564,7 @@
           <p:cNvPr id="2" name="Título Vertical 1">
             <a:extLst>
               <a:ext uri="{FF2B5EF4-FFF2-40B4-BE49-F238E27FC236}">
-                <a16:creationId xmlns:a16="http://schemas.microsoft.com/office/drawing/2014/main" id="{C98F5C99-F827-CDE3-CC36-F9A6059285B4}"/>
+                <a16:creationId xmlns:a16="http://schemas.microsoft.com/office/drawing/2014/main" xmlns="" id="{C98F5C99-F827-CDE3-CC36-F9A6059285B4}"/>
               </a:ext>
             </a:extLst>
           </p:cNvPr>
@@ -597,7 +597,7 @@
           <p:cNvPr id="3" name="Espaço Reservado para Texto Vertical 2">
             <a:extLst>
               <a:ext uri="{FF2B5EF4-FFF2-40B4-BE49-F238E27FC236}">
-                <a16:creationId xmlns:a16="http://schemas.microsoft.com/office/drawing/2014/main" id="{DC70FCFF-1148-10FD-1970-EFE187A74164}"/>
+                <a16:creationId xmlns:a16="http://schemas.microsoft.com/office/drawing/2014/main" xmlns="" id="{DC70FCFF-1148-10FD-1970-EFE187A74164}"/>
               </a:ext>
             </a:extLst>
           </p:cNvPr>
@@ -659,7 +659,7 @@
           <p:cNvPr id="4" name="Espaço Reservado para Data 3">
             <a:extLst>
               <a:ext uri="{FF2B5EF4-FFF2-40B4-BE49-F238E27FC236}">
-                <a16:creationId xmlns:a16="http://schemas.microsoft.com/office/drawing/2014/main" id="{91F65036-E8D4-39DF-8B1A-94B772E3D482}"/>
+                <a16:creationId xmlns:a16="http://schemas.microsoft.com/office/drawing/2014/main" xmlns="" id="{91F65036-E8D4-39DF-8B1A-94B772E3D482}"/>
               </a:ext>
             </a:extLst>
           </p:cNvPr>
@@ -688,7 +688,7 @@
           <p:cNvPr id="5" name="Espaço Reservado para Rodapé 4">
             <a:extLst>
               <a:ext uri="{FF2B5EF4-FFF2-40B4-BE49-F238E27FC236}">
-                <a16:creationId xmlns:a16="http://schemas.microsoft.com/office/drawing/2014/main" id="{98FB1269-D16B-4921-D8D0-9F84DEEC63F6}"/>
+                <a16:creationId xmlns:a16="http://schemas.microsoft.com/office/drawing/2014/main" xmlns="" id="{98FB1269-D16B-4921-D8D0-9F84DEEC63F6}"/>
               </a:ext>
             </a:extLst>
           </p:cNvPr>
@@ -713,7 +713,7 @@
           <p:cNvPr id="6" name="Espaço Reservado para Número de Slide 5">
             <a:extLst>
               <a:ext uri="{FF2B5EF4-FFF2-40B4-BE49-F238E27FC236}">
-                <a16:creationId xmlns:a16="http://schemas.microsoft.com/office/drawing/2014/main" id="{5534DF76-5EFB-09A0-DBE6-3E2D41F44ED0}"/>
+                <a16:creationId xmlns:a16="http://schemas.microsoft.com/office/drawing/2014/main" xmlns="" id="{5534DF76-5EFB-09A0-DBE6-3E2D41F44ED0}"/>
               </a:ext>
             </a:extLst>
           </p:cNvPr>
@@ -772,7 +772,7 @@
           <p:cNvPr id="2" name="Título 1">
             <a:extLst>
               <a:ext uri="{FF2B5EF4-FFF2-40B4-BE49-F238E27FC236}">
-                <a16:creationId xmlns:a16="http://schemas.microsoft.com/office/drawing/2014/main" id="{33EA0E54-2ECA-7DD6-1C9F-D7AE9ED216C2}"/>
+                <a16:creationId xmlns:a16="http://schemas.microsoft.com/office/drawing/2014/main" xmlns="" id="{33EA0E54-2ECA-7DD6-1C9F-D7AE9ED216C2}"/>
               </a:ext>
             </a:extLst>
           </p:cNvPr>
@@ -800,7 +800,7 @@
           <p:cNvPr id="3" name="Espaço Reservado para Conteúdo 2">
             <a:extLst>
               <a:ext uri="{FF2B5EF4-FFF2-40B4-BE49-F238E27FC236}">
-                <a16:creationId xmlns:a16="http://schemas.microsoft.com/office/drawing/2014/main" id="{E729D62C-C159-D780-ED7A-218F5D34A3CB}"/>
+                <a16:creationId xmlns:a16="http://schemas.microsoft.com/office/drawing/2014/main" xmlns="" id="{E729D62C-C159-D780-ED7A-218F5D34A3CB}"/>
               </a:ext>
             </a:extLst>
           </p:cNvPr>
@@ -857,7 +857,7 @@
           <p:cNvPr id="4" name="Espaço Reservado para Data 3">
             <a:extLst>
               <a:ext uri="{FF2B5EF4-FFF2-40B4-BE49-F238E27FC236}">
-                <a16:creationId xmlns:a16="http://schemas.microsoft.com/office/drawing/2014/main" id="{985004A5-E6E4-9E32-9960-54B911097CAB}"/>
+                <a16:creationId xmlns:a16="http://schemas.microsoft.com/office/drawing/2014/main" xmlns="" id="{985004A5-E6E4-9E32-9960-54B911097CAB}"/>
               </a:ext>
             </a:extLst>
           </p:cNvPr>
@@ -886,7 +886,7 @@
           <p:cNvPr id="5" name="Espaço Reservado para Rodapé 4">
             <a:extLst>
               <a:ext uri="{FF2B5EF4-FFF2-40B4-BE49-F238E27FC236}">
-                <a16:creationId xmlns:a16="http://schemas.microsoft.com/office/drawing/2014/main" id="{EBE7E963-6D85-A626-BB2D-8E681F03722A}"/>
+                <a16:creationId xmlns:a16="http://schemas.microsoft.com/office/drawing/2014/main" xmlns="" id="{EBE7E963-6D85-A626-BB2D-8E681F03722A}"/>
               </a:ext>
             </a:extLst>
           </p:cNvPr>
@@ -911,7 +911,7 @@
           <p:cNvPr id="6" name="Espaço Reservado para Número de Slide 5">
             <a:extLst>
               <a:ext uri="{FF2B5EF4-FFF2-40B4-BE49-F238E27FC236}">
-                <a16:creationId xmlns:a16="http://schemas.microsoft.com/office/drawing/2014/main" id="{9380F148-9DDB-37C7-7B4D-EC199654D35E}"/>
+                <a16:creationId xmlns:a16="http://schemas.microsoft.com/office/drawing/2014/main" xmlns="" id="{9380F148-9DDB-37C7-7B4D-EC199654D35E}"/>
               </a:ext>
             </a:extLst>
           </p:cNvPr>
@@ -970,7 +970,7 @@
           <p:cNvPr id="2" name="Título 1">
             <a:extLst>
               <a:ext uri="{FF2B5EF4-FFF2-40B4-BE49-F238E27FC236}">
-                <a16:creationId xmlns:a16="http://schemas.microsoft.com/office/drawing/2014/main" id="{C66781AA-A5DE-F623-3996-0B5E0BC359B9}"/>
+                <a16:creationId xmlns:a16="http://schemas.microsoft.com/office/drawing/2014/main" xmlns="" id="{C66781AA-A5DE-F623-3996-0B5E0BC359B9}"/>
               </a:ext>
             </a:extLst>
           </p:cNvPr>
@@ -1007,7 +1007,7 @@
           <p:cNvPr id="3" name="Espaço Reservado para Texto 2">
             <a:extLst>
               <a:ext uri="{FF2B5EF4-FFF2-40B4-BE49-F238E27FC236}">
-                <a16:creationId xmlns:a16="http://schemas.microsoft.com/office/drawing/2014/main" id="{542DEEAD-5ADE-CEFF-A9F6-E646534C57FE}"/>
+                <a16:creationId xmlns:a16="http://schemas.microsoft.com/office/drawing/2014/main" xmlns="" id="{542DEEAD-5ADE-CEFF-A9F6-E646534C57FE}"/>
               </a:ext>
             </a:extLst>
           </p:cNvPr>
@@ -1132,7 +1132,7 @@
           <p:cNvPr id="4" name="Espaço Reservado para Data 3">
             <a:extLst>
               <a:ext uri="{FF2B5EF4-FFF2-40B4-BE49-F238E27FC236}">
-                <a16:creationId xmlns:a16="http://schemas.microsoft.com/office/drawing/2014/main" id="{63778BC0-F8DF-D466-3BDF-8F6D2DB6F3B9}"/>
+                <a16:creationId xmlns:a16="http://schemas.microsoft.com/office/drawing/2014/main" xmlns="" id="{63778BC0-F8DF-D466-3BDF-8F6D2DB6F3B9}"/>
               </a:ext>
             </a:extLst>
           </p:cNvPr>
@@ -1161,7 +1161,7 @@
           <p:cNvPr id="5" name="Espaço Reservado para Rodapé 4">
             <a:extLst>
               <a:ext uri="{FF2B5EF4-FFF2-40B4-BE49-F238E27FC236}">
-                <a16:creationId xmlns:a16="http://schemas.microsoft.com/office/drawing/2014/main" id="{3FE8D4E6-28A6-7339-87EC-C0AAABD3A46E}"/>
+                <a16:creationId xmlns:a16="http://schemas.microsoft.com/office/drawing/2014/main" xmlns="" id="{3FE8D4E6-28A6-7339-87EC-C0AAABD3A46E}"/>
               </a:ext>
             </a:extLst>
           </p:cNvPr>
@@ -1186,7 +1186,7 @@
           <p:cNvPr id="6" name="Espaço Reservado para Número de Slide 5">
             <a:extLst>
               <a:ext uri="{FF2B5EF4-FFF2-40B4-BE49-F238E27FC236}">
-                <a16:creationId xmlns:a16="http://schemas.microsoft.com/office/drawing/2014/main" id="{E143E133-957F-0A34-8D29-AAFF4B68CCA8}"/>
+                <a16:creationId xmlns:a16="http://schemas.microsoft.com/office/drawing/2014/main" xmlns="" id="{E143E133-957F-0A34-8D29-AAFF4B68CCA8}"/>
               </a:ext>
             </a:extLst>
           </p:cNvPr>
@@ -1245,7 +1245,7 @@
           <p:cNvPr id="2" name="Título 1">
             <a:extLst>
               <a:ext uri="{FF2B5EF4-FFF2-40B4-BE49-F238E27FC236}">
-                <a16:creationId xmlns:a16="http://schemas.microsoft.com/office/drawing/2014/main" id="{4CADB82F-4060-5A4B-C955-489C3B314DB7}"/>
+                <a16:creationId xmlns:a16="http://schemas.microsoft.com/office/drawing/2014/main" xmlns="" id="{4CADB82F-4060-5A4B-C955-489C3B314DB7}"/>
               </a:ext>
             </a:extLst>
           </p:cNvPr>
@@ -1273,7 +1273,7 @@
           <p:cNvPr id="3" name="Espaço Reservado para Conteúdo 2">
             <a:extLst>
               <a:ext uri="{FF2B5EF4-FFF2-40B4-BE49-F238E27FC236}">
-                <a16:creationId xmlns:a16="http://schemas.microsoft.com/office/drawing/2014/main" id="{6CA1344D-C93B-712B-DB8B-2F381D0847BD}"/>
+                <a16:creationId xmlns:a16="http://schemas.microsoft.com/office/drawing/2014/main" xmlns="" id="{6CA1344D-C93B-712B-DB8B-2F381D0847BD}"/>
               </a:ext>
             </a:extLst>
           </p:cNvPr>
@@ -1335,7 +1335,7 @@
           <p:cNvPr id="4" name="Espaço Reservado para Conteúdo 3">
             <a:extLst>
               <a:ext uri="{FF2B5EF4-FFF2-40B4-BE49-F238E27FC236}">
-                <a16:creationId xmlns:a16="http://schemas.microsoft.com/office/drawing/2014/main" id="{8F69EF5E-6369-DA8E-7321-F4BC3E974879}"/>
+                <a16:creationId xmlns:a16="http://schemas.microsoft.com/office/drawing/2014/main" xmlns="" id="{8F69EF5E-6369-DA8E-7321-F4BC3E974879}"/>
               </a:ext>
             </a:extLst>
           </p:cNvPr>
@@ -1397,7 +1397,7 @@
           <p:cNvPr id="5" name="Espaço Reservado para Data 4">
             <a:extLst>
               <a:ext uri="{FF2B5EF4-FFF2-40B4-BE49-F238E27FC236}">
-                <a16:creationId xmlns:a16="http://schemas.microsoft.com/office/drawing/2014/main" id="{EF325EB8-52BC-D07E-D6E4-38DD376DBF9B}"/>
+                <a16:creationId xmlns:a16="http://schemas.microsoft.com/office/drawing/2014/main" xmlns="" id="{EF325EB8-52BC-D07E-D6E4-38DD376DBF9B}"/>
               </a:ext>
             </a:extLst>
           </p:cNvPr>
@@ -1426,7 +1426,7 @@
           <p:cNvPr id="6" name="Espaço Reservado para Rodapé 5">
             <a:extLst>
               <a:ext uri="{FF2B5EF4-FFF2-40B4-BE49-F238E27FC236}">
-                <a16:creationId xmlns:a16="http://schemas.microsoft.com/office/drawing/2014/main" id="{3425C4F8-881F-A1A3-79BF-C3015A9B0664}"/>
+                <a16:creationId xmlns:a16="http://schemas.microsoft.com/office/drawing/2014/main" xmlns="" id="{3425C4F8-881F-A1A3-79BF-C3015A9B0664}"/>
               </a:ext>
             </a:extLst>
           </p:cNvPr>
@@ -1451,7 +1451,7 @@
           <p:cNvPr id="7" name="Espaço Reservado para Número de Slide 6">
             <a:extLst>
               <a:ext uri="{FF2B5EF4-FFF2-40B4-BE49-F238E27FC236}">
-                <a16:creationId xmlns:a16="http://schemas.microsoft.com/office/drawing/2014/main" id="{3D753015-0836-E85A-168B-6ADC78A4A139}"/>
+                <a16:creationId xmlns:a16="http://schemas.microsoft.com/office/drawing/2014/main" xmlns="" id="{3D753015-0836-E85A-168B-6ADC78A4A139}"/>
               </a:ext>
             </a:extLst>
           </p:cNvPr>
@@ -1510,7 +1510,7 @@
           <p:cNvPr id="2" name="Título 1">
             <a:extLst>
               <a:ext uri="{FF2B5EF4-FFF2-40B4-BE49-F238E27FC236}">
-                <a16:creationId xmlns:a16="http://schemas.microsoft.com/office/drawing/2014/main" id="{A5DE90CC-2BBA-A0FC-B8EF-9B55010FDA02}"/>
+                <a16:creationId xmlns:a16="http://schemas.microsoft.com/office/drawing/2014/main" xmlns="" id="{A5DE90CC-2BBA-A0FC-B8EF-9B55010FDA02}"/>
               </a:ext>
             </a:extLst>
           </p:cNvPr>
@@ -1543,7 +1543,7 @@
           <p:cNvPr id="3" name="Espaço Reservado para Texto 2">
             <a:extLst>
               <a:ext uri="{FF2B5EF4-FFF2-40B4-BE49-F238E27FC236}">
-                <a16:creationId xmlns:a16="http://schemas.microsoft.com/office/drawing/2014/main" id="{14E3FB2D-2271-79FC-F536-60AF378FB788}"/>
+                <a16:creationId xmlns:a16="http://schemas.microsoft.com/office/drawing/2014/main" xmlns="" id="{14E3FB2D-2271-79FC-F536-60AF378FB788}"/>
               </a:ext>
             </a:extLst>
           </p:cNvPr>
@@ -1614,7 +1614,7 @@
           <p:cNvPr id="4" name="Espaço Reservado para Conteúdo 3">
             <a:extLst>
               <a:ext uri="{FF2B5EF4-FFF2-40B4-BE49-F238E27FC236}">
-                <a16:creationId xmlns:a16="http://schemas.microsoft.com/office/drawing/2014/main" id="{B891CBE9-306D-5158-2418-382189F3CE89}"/>
+                <a16:creationId xmlns:a16="http://schemas.microsoft.com/office/drawing/2014/main" xmlns="" id="{B891CBE9-306D-5158-2418-382189F3CE89}"/>
               </a:ext>
             </a:extLst>
           </p:cNvPr>
@@ -1676,7 +1676,7 @@
           <p:cNvPr id="5" name="Espaço Reservado para Texto 4">
             <a:extLst>
               <a:ext uri="{FF2B5EF4-FFF2-40B4-BE49-F238E27FC236}">
-                <a16:creationId xmlns:a16="http://schemas.microsoft.com/office/drawing/2014/main" id="{2815CF31-3858-3FFB-CED5-0E9B10A7C386}"/>
+                <a16:creationId xmlns:a16="http://schemas.microsoft.com/office/drawing/2014/main" xmlns="" id="{2815CF31-3858-3FFB-CED5-0E9B10A7C386}"/>
               </a:ext>
             </a:extLst>
           </p:cNvPr>
@@ -1747,7 +1747,7 @@
           <p:cNvPr id="6" name="Espaço Reservado para Conteúdo 5">
             <a:extLst>
               <a:ext uri="{FF2B5EF4-FFF2-40B4-BE49-F238E27FC236}">
-                <a16:creationId xmlns:a16="http://schemas.microsoft.com/office/drawing/2014/main" id="{AC9569CD-8009-C647-9320-2CBDFB287263}"/>
+                <a16:creationId xmlns:a16="http://schemas.microsoft.com/office/drawing/2014/main" xmlns="" id="{AC9569CD-8009-C647-9320-2CBDFB287263}"/>
               </a:ext>
             </a:extLst>
           </p:cNvPr>
@@ -1809,7 +1809,7 @@
           <p:cNvPr id="7" name="Espaço Reservado para Data 6">
             <a:extLst>
               <a:ext uri="{FF2B5EF4-FFF2-40B4-BE49-F238E27FC236}">
-                <a16:creationId xmlns:a16="http://schemas.microsoft.com/office/drawing/2014/main" id="{81B1B077-9AC7-211A-FA79-143DBF825862}"/>
+                <a16:creationId xmlns:a16="http://schemas.microsoft.com/office/drawing/2014/main" xmlns="" id="{81B1B077-9AC7-211A-FA79-143DBF825862}"/>
               </a:ext>
             </a:extLst>
           </p:cNvPr>
@@ -1838,7 +1838,7 @@
           <p:cNvPr id="8" name="Espaço Reservado para Rodapé 7">
             <a:extLst>
               <a:ext uri="{FF2B5EF4-FFF2-40B4-BE49-F238E27FC236}">
-                <a16:creationId xmlns:a16="http://schemas.microsoft.com/office/drawing/2014/main" id="{2FF31E94-196B-D895-8AC9-CB3FC3F829F2}"/>
+                <a16:creationId xmlns:a16="http://schemas.microsoft.com/office/drawing/2014/main" xmlns="" id="{2FF31E94-196B-D895-8AC9-CB3FC3F829F2}"/>
               </a:ext>
             </a:extLst>
           </p:cNvPr>
@@ -1863,7 +1863,7 @@
           <p:cNvPr id="9" name="Espaço Reservado para Número de Slide 8">
             <a:extLst>
               <a:ext uri="{FF2B5EF4-FFF2-40B4-BE49-F238E27FC236}">
-                <a16:creationId xmlns:a16="http://schemas.microsoft.com/office/drawing/2014/main" id="{8EDCC85B-BA78-9BB6-8733-1FF8A50CB8F2}"/>
+                <a16:creationId xmlns:a16="http://schemas.microsoft.com/office/drawing/2014/main" xmlns="" id="{8EDCC85B-BA78-9BB6-8733-1FF8A50CB8F2}"/>
               </a:ext>
             </a:extLst>
           </p:cNvPr>
@@ -1922,7 +1922,7 @@
           <p:cNvPr id="2" name="Título 1">
             <a:extLst>
               <a:ext uri="{FF2B5EF4-FFF2-40B4-BE49-F238E27FC236}">
-                <a16:creationId xmlns:a16="http://schemas.microsoft.com/office/drawing/2014/main" id="{C5343433-4159-E9BA-1794-7AF5C3A778D2}"/>
+                <a16:creationId xmlns:a16="http://schemas.microsoft.com/office/drawing/2014/main" xmlns="" id="{C5343433-4159-E9BA-1794-7AF5C3A778D2}"/>
               </a:ext>
             </a:extLst>
           </p:cNvPr>
@@ -1950,7 +1950,7 @@
           <p:cNvPr id="3" name="Espaço Reservado para Data 2">
             <a:extLst>
               <a:ext uri="{FF2B5EF4-FFF2-40B4-BE49-F238E27FC236}">
-                <a16:creationId xmlns:a16="http://schemas.microsoft.com/office/drawing/2014/main" id="{B0BC2293-6BEC-4D72-3FAE-18E75C787122}"/>
+                <a16:creationId xmlns:a16="http://schemas.microsoft.com/office/drawing/2014/main" xmlns="" id="{B0BC2293-6BEC-4D72-3FAE-18E75C787122}"/>
               </a:ext>
             </a:extLst>
           </p:cNvPr>
@@ -1979,7 +1979,7 @@
           <p:cNvPr id="4" name="Espaço Reservado para Rodapé 3">
             <a:extLst>
               <a:ext uri="{FF2B5EF4-FFF2-40B4-BE49-F238E27FC236}">
-                <a16:creationId xmlns:a16="http://schemas.microsoft.com/office/drawing/2014/main" id="{86CFDC3F-D412-F444-22F1-6CAB2CC9B2AB}"/>
+                <a16:creationId xmlns:a16="http://schemas.microsoft.com/office/drawing/2014/main" xmlns="" id="{86CFDC3F-D412-F444-22F1-6CAB2CC9B2AB}"/>
               </a:ext>
             </a:extLst>
           </p:cNvPr>
@@ -2004,7 +2004,7 @@
           <p:cNvPr id="5" name="Espaço Reservado para Número de Slide 4">
             <a:extLst>
               <a:ext uri="{FF2B5EF4-FFF2-40B4-BE49-F238E27FC236}">
-                <a16:creationId xmlns:a16="http://schemas.microsoft.com/office/drawing/2014/main" id="{610FD609-3845-1D82-1A84-9A55BF355F10}"/>
+                <a16:creationId xmlns:a16="http://schemas.microsoft.com/office/drawing/2014/main" xmlns="" id="{610FD609-3845-1D82-1A84-9A55BF355F10}"/>
               </a:ext>
             </a:extLst>
           </p:cNvPr>
@@ -2063,7 +2063,7 @@
           <p:cNvPr id="2" name="Espaço Reservado para Data 1">
             <a:extLst>
               <a:ext uri="{FF2B5EF4-FFF2-40B4-BE49-F238E27FC236}">
-                <a16:creationId xmlns:a16="http://schemas.microsoft.com/office/drawing/2014/main" id="{DF62926A-4DA2-D5D8-7EFB-7530D36B55AF}"/>
+                <a16:creationId xmlns:a16="http://schemas.microsoft.com/office/drawing/2014/main" xmlns="" id="{DF62926A-4DA2-D5D8-7EFB-7530D36B55AF}"/>
               </a:ext>
             </a:extLst>
           </p:cNvPr>
@@ -2092,7 +2092,7 @@
           <p:cNvPr id="3" name="Espaço Reservado para Rodapé 2">
             <a:extLst>
               <a:ext uri="{FF2B5EF4-FFF2-40B4-BE49-F238E27FC236}">
-                <a16:creationId xmlns:a16="http://schemas.microsoft.com/office/drawing/2014/main" id="{8408845A-395A-DC0E-A9A3-AC2ECF6CE140}"/>
+                <a16:creationId xmlns:a16="http://schemas.microsoft.com/office/drawing/2014/main" xmlns="" id="{8408845A-395A-DC0E-A9A3-AC2ECF6CE140}"/>
               </a:ext>
             </a:extLst>
           </p:cNvPr>
@@ -2117,7 +2117,7 @@
           <p:cNvPr id="4" name="Espaço Reservado para Número de Slide 3">
             <a:extLst>
               <a:ext uri="{FF2B5EF4-FFF2-40B4-BE49-F238E27FC236}">
-                <a16:creationId xmlns:a16="http://schemas.microsoft.com/office/drawing/2014/main" id="{B1F0E449-4658-A7F5-521E-85757E289390}"/>
+                <a16:creationId xmlns:a16="http://schemas.microsoft.com/office/drawing/2014/main" xmlns="" id="{B1F0E449-4658-A7F5-521E-85757E289390}"/>
               </a:ext>
             </a:extLst>
           </p:cNvPr>
@@ -2176,7 +2176,7 @@
           <p:cNvPr id="2" name="Título 1">
             <a:extLst>
               <a:ext uri="{FF2B5EF4-FFF2-40B4-BE49-F238E27FC236}">
-                <a16:creationId xmlns:a16="http://schemas.microsoft.com/office/drawing/2014/main" id="{56CEA5C3-6870-5BF8-32BD-47886802C3D1}"/>
+                <a16:creationId xmlns:a16="http://schemas.microsoft.com/office/drawing/2014/main" xmlns="" id="{56CEA5C3-6870-5BF8-32BD-47886802C3D1}"/>
               </a:ext>
             </a:extLst>
           </p:cNvPr>
@@ -2213,7 +2213,7 @@
           <p:cNvPr id="3" name="Espaço Reservado para Conteúdo 2">
             <a:extLst>
               <a:ext uri="{FF2B5EF4-FFF2-40B4-BE49-F238E27FC236}">
-                <a16:creationId xmlns:a16="http://schemas.microsoft.com/office/drawing/2014/main" id="{01B8E601-E4AB-49CA-7282-2862622BE08C}"/>
+                <a16:creationId xmlns:a16="http://schemas.microsoft.com/office/drawing/2014/main" xmlns="" id="{01B8E601-E4AB-49CA-7282-2862622BE08C}"/>
               </a:ext>
             </a:extLst>
           </p:cNvPr>
@@ -2303,7 +2303,7 @@
           <p:cNvPr id="4" name="Espaço Reservado para Texto 3">
             <a:extLst>
               <a:ext uri="{FF2B5EF4-FFF2-40B4-BE49-F238E27FC236}">
-                <a16:creationId xmlns:a16="http://schemas.microsoft.com/office/drawing/2014/main" id="{F9B12E1C-9B67-40B3-144C-EB2CE1A96E63}"/>
+                <a16:creationId xmlns:a16="http://schemas.microsoft.com/office/drawing/2014/main" xmlns="" id="{F9B12E1C-9B67-40B3-144C-EB2CE1A96E63}"/>
               </a:ext>
             </a:extLst>
           </p:cNvPr>
@@ -2374,7 +2374,7 @@
           <p:cNvPr id="5" name="Espaço Reservado para Data 4">
             <a:extLst>
               <a:ext uri="{FF2B5EF4-FFF2-40B4-BE49-F238E27FC236}">
-                <a16:creationId xmlns:a16="http://schemas.microsoft.com/office/drawing/2014/main" id="{F43383EC-45C3-8A32-5A43-BDA68C8E7013}"/>
+                <a16:creationId xmlns:a16="http://schemas.microsoft.com/office/drawing/2014/main" xmlns="" id="{F43383EC-45C3-8A32-5A43-BDA68C8E7013}"/>
               </a:ext>
             </a:extLst>
           </p:cNvPr>
@@ -2403,7 +2403,7 @@
           <p:cNvPr id="6" name="Espaço Reservado para Rodapé 5">
             <a:extLst>
               <a:ext uri="{FF2B5EF4-FFF2-40B4-BE49-F238E27FC236}">
-                <a16:creationId xmlns:a16="http://schemas.microsoft.com/office/drawing/2014/main" id="{9ADE957B-F99E-B085-C14F-63A8532AD13E}"/>
+                <a16:creationId xmlns:a16="http://schemas.microsoft.com/office/drawing/2014/main" xmlns="" id="{9ADE957B-F99E-B085-C14F-63A8532AD13E}"/>
               </a:ext>
             </a:extLst>
           </p:cNvPr>
@@ -2428,7 +2428,7 @@
           <p:cNvPr id="7" name="Espaço Reservado para Número de Slide 6">
             <a:extLst>
               <a:ext uri="{FF2B5EF4-FFF2-40B4-BE49-F238E27FC236}">
-                <a16:creationId xmlns:a16="http://schemas.microsoft.com/office/drawing/2014/main" id="{2657CA3D-91EE-003F-2AFC-900BD168E4E9}"/>
+                <a16:creationId xmlns:a16="http://schemas.microsoft.com/office/drawing/2014/main" xmlns="" id="{2657CA3D-91EE-003F-2AFC-900BD168E4E9}"/>
               </a:ext>
             </a:extLst>
           </p:cNvPr>
@@ -2487,7 +2487,7 @@
           <p:cNvPr id="2" name="Título 1">
             <a:extLst>
               <a:ext uri="{FF2B5EF4-FFF2-40B4-BE49-F238E27FC236}">
-                <a16:creationId xmlns:a16="http://schemas.microsoft.com/office/drawing/2014/main" id="{4C974FB9-1A5A-4444-B854-54A6DD0FFA22}"/>
+                <a16:creationId xmlns:a16="http://schemas.microsoft.com/office/drawing/2014/main" xmlns="" id="{4C974FB9-1A5A-4444-B854-54A6DD0FFA22}"/>
               </a:ext>
             </a:extLst>
           </p:cNvPr>
@@ -2524,7 +2524,7 @@
           <p:cNvPr id="3" name="Espaço Reservado para Imagem 2">
             <a:extLst>
               <a:ext uri="{FF2B5EF4-FFF2-40B4-BE49-F238E27FC236}">
-                <a16:creationId xmlns:a16="http://schemas.microsoft.com/office/drawing/2014/main" id="{0AA9A919-9BDD-2B38-B294-8C46DE879871}"/>
+                <a16:creationId xmlns:a16="http://schemas.microsoft.com/office/drawing/2014/main" xmlns="" id="{0AA9A919-9BDD-2B38-B294-8C46DE879871}"/>
               </a:ext>
             </a:extLst>
           </p:cNvPr>
@@ -2591,7 +2591,7 @@
           <p:cNvPr id="4" name="Espaço Reservado para Texto 3">
             <a:extLst>
               <a:ext uri="{FF2B5EF4-FFF2-40B4-BE49-F238E27FC236}">
-                <a16:creationId xmlns:a16="http://schemas.microsoft.com/office/drawing/2014/main" id="{B1970F85-29BF-4610-F9C7-6DA30A9036D7}"/>
+                <a16:creationId xmlns:a16="http://schemas.microsoft.com/office/drawing/2014/main" xmlns="" id="{B1970F85-29BF-4610-F9C7-6DA30A9036D7}"/>
               </a:ext>
             </a:extLst>
           </p:cNvPr>
@@ -2662,7 +2662,7 @@
           <p:cNvPr id="5" name="Espaço Reservado para Data 4">
             <a:extLst>
               <a:ext uri="{FF2B5EF4-FFF2-40B4-BE49-F238E27FC236}">
-                <a16:creationId xmlns:a16="http://schemas.microsoft.com/office/drawing/2014/main" id="{96A9F91C-C806-AFFA-B9DF-F6946ACDE44C}"/>
+                <a16:creationId xmlns:a16="http://schemas.microsoft.com/office/drawing/2014/main" xmlns="" id="{96A9F91C-C806-AFFA-B9DF-F6946ACDE44C}"/>
               </a:ext>
             </a:extLst>
           </p:cNvPr>
@@ -2691,7 +2691,7 @@
           <p:cNvPr id="6" name="Espaço Reservado para Rodapé 5">
             <a:extLst>
               <a:ext uri="{FF2B5EF4-FFF2-40B4-BE49-F238E27FC236}">
-                <a16:creationId xmlns:a16="http://schemas.microsoft.com/office/drawing/2014/main" id="{96A82CEF-B33D-5F88-981B-5DE1D155FA7C}"/>
+                <a16:creationId xmlns:a16="http://schemas.microsoft.com/office/drawing/2014/main" xmlns="" id="{96A82CEF-B33D-5F88-981B-5DE1D155FA7C}"/>
               </a:ext>
             </a:extLst>
           </p:cNvPr>
@@ -2716,7 +2716,7 @@
           <p:cNvPr id="7" name="Espaço Reservado para Número de Slide 6">
             <a:extLst>
               <a:ext uri="{FF2B5EF4-FFF2-40B4-BE49-F238E27FC236}">
-                <a16:creationId xmlns:a16="http://schemas.microsoft.com/office/drawing/2014/main" id="{E14D40FC-57A6-F291-0AA4-4CDF4DFA28D4}"/>
+                <a16:creationId xmlns:a16="http://schemas.microsoft.com/office/drawing/2014/main" xmlns="" id="{E14D40FC-57A6-F291-0AA4-4CDF4DFA28D4}"/>
               </a:ext>
             </a:extLst>
           </p:cNvPr>
@@ -2780,7 +2780,7 @@
           <p:cNvPr id="2" name="Espaço Reservado para Título 1">
             <a:extLst>
               <a:ext uri="{FF2B5EF4-FFF2-40B4-BE49-F238E27FC236}">
-                <a16:creationId xmlns:a16="http://schemas.microsoft.com/office/drawing/2014/main" id="{61668B17-E1BC-DE16-B82A-DBBC611772D2}"/>
+                <a16:creationId xmlns:a16="http://schemas.microsoft.com/office/drawing/2014/main" xmlns="" id="{61668B17-E1BC-DE16-B82A-DBBC611772D2}"/>
               </a:ext>
             </a:extLst>
           </p:cNvPr>
@@ -2818,7 +2818,7 @@
           <p:cNvPr id="3" name="Espaço Reservado para Texto 2">
             <a:extLst>
               <a:ext uri="{FF2B5EF4-FFF2-40B4-BE49-F238E27FC236}">
-                <a16:creationId xmlns:a16="http://schemas.microsoft.com/office/drawing/2014/main" id="{E531331C-F41C-3E3F-FEF7-07BF755C6E1B}"/>
+                <a16:creationId xmlns:a16="http://schemas.microsoft.com/office/drawing/2014/main" xmlns="" id="{E531331C-F41C-3E3F-FEF7-07BF755C6E1B}"/>
               </a:ext>
             </a:extLst>
           </p:cNvPr>
@@ -2885,7 +2885,7 @@
           <p:cNvPr id="4" name="Espaço Reservado para Data 3">
             <a:extLst>
               <a:ext uri="{FF2B5EF4-FFF2-40B4-BE49-F238E27FC236}">
-                <a16:creationId xmlns:a16="http://schemas.microsoft.com/office/drawing/2014/main" id="{F8725FC0-AC68-9A12-31D6-C09834400430}"/>
+                <a16:creationId xmlns:a16="http://schemas.microsoft.com/office/drawing/2014/main" xmlns="" id="{F8725FC0-AC68-9A12-31D6-C09834400430}"/>
               </a:ext>
             </a:extLst>
           </p:cNvPr>
@@ -2932,7 +2932,7 @@
           <p:cNvPr id="5" name="Espaço Reservado para Rodapé 4">
             <a:extLst>
               <a:ext uri="{FF2B5EF4-FFF2-40B4-BE49-F238E27FC236}">
-                <a16:creationId xmlns:a16="http://schemas.microsoft.com/office/drawing/2014/main" id="{99ED81A1-A65F-DA62-03D4-87DBA782D6E5}"/>
+                <a16:creationId xmlns:a16="http://schemas.microsoft.com/office/drawing/2014/main" xmlns="" id="{99ED81A1-A65F-DA62-03D4-87DBA782D6E5}"/>
               </a:ext>
             </a:extLst>
           </p:cNvPr>
@@ -2975,7 +2975,7 @@
           <p:cNvPr id="6" name="Espaço Reservado para Número de Slide 5">
             <a:extLst>
               <a:ext uri="{FF2B5EF4-FFF2-40B4-BE49-F238E27FC236}">
-                <a16:creationId xmlns:a16="http://schemas.microsoft.com/office/drawing/2014/main" id="{2C56FF4A-B402-4E81-2E3A-D4809D8A5A9B}"/>
+                <a16:creationId xmlns:a16="http://schemas.microsoft.com/office/drawing/2014/main" xmlns="" id="{2C56FF4A-B402-4E81-2E3A-D4809D8A5A9B}"/>
               </a:ext>
             </a:extLst>
           </p:cNvPr>
@@ -3343,7 +3343,7 @@
           <p:cNvPr id="2" name="Título 1">
             <a:extLst>
               <a:ext uri="{FF2B5EF4-FFF2-40B4-BE49-F238E27FC236}">
-                <a16:creationId xmlns:a16="http://schemas.microsoft.com/office/drawing/2014/main" id="{DAF6ED92-AE8C-A50A-BEC6-57E7269172CA}"/>
+                <a16:creationId xmlns:a16="http://schemas.microsoft.com/office/drawing/2014/main" xmlns="" id="{DAF6ED92-AE8C-A50A-BEC6-57E7269172CA}"/>
               </a:ext>
             </a:extLst>
           </p:cNvPr>
@@ -3356,13 +3356,20 @@
         </p:nvSpPr>
         <p:spPr/>
         <p:txBody>
-          <a:bodyPr/>
+          <a:bodyPr>
+            <a:normAutofit fontScale="90000"/>
+          </a:bodyPr>
           <a:lstStyle/>
           <a:p>
             <a:r>
               <a:rPr lang="pt-BR" dirty="0"/>
-              <a:t>Cadeia circular de átomos</a:t>
-            </a:r>
+              <a:t>Cadeia circular de </a:t>
+            </a:r>
+            <a:r>
+              <a:rPr lang="pt-BR" dirty="0" smtClean="0"/>
+              <a:t>átomos com massas iguais (e um defeito)</a:t>
+            </a:r>
+            <a:endParaRPr lang="pt-BR" dirty="0"/>
           </a:p>
         </p:txBody>
       </p:sp>
@@ -3371,7 +3378,7 @@
           <p:cNvPr id="3" name="Subtítulo 2">
             <a:extLst>
               <a:ext uri="{FF2B5EF4-FFF2-40B4-BE49-F238E27FC236}">
-                <a16:creationId xmlns:a16="http://schemas.microsoft.com/office/drawing/2014/main" id="{9EBE49A5-5FC9-4689-CB2D-AE0AB1479B89}"/>
+                <a16:creationId xmlns:a16="http://schemas.microsoft.com/office/drawing/2014/main" xmlns="" id="{9EBE49A5-5FC9-4689-CB2D-AE0AB1479B89}"/>
               </a:ext>
             </a:extLst>
           </p:cNvPr>
@@ -3435,7 +3442,7 @@
           <p:cNvPr id="2" name="Título 1">
             <a:extLst>
               <a:ext uri="{FF2B5EF4-FFF2-40B4-BE49-F238E27FC236}">
-                <a16:creationId xmlns:a16="http://schemas.microsoft.com/office/drawing/2014/main" id="{80344DEC-8CAA-1F88-F508-F18B27FA0605}"/>
+                <a16:creationId xmlns:a16="http://schemas.microsoft.com/office/drawing/2014/main" xmlns="" id="{80344DEC-8CAA-1F88-F508-F18B27FA0605}"/>
               </a:ext>
             </a:extLst>
           </p:cNvPr>
@@ -3463,7 +3470,7 @@
           <p:cNvPr id="5" name="Espaço Reservado para Conteúdo 4">
             <a:extLst>
               <a:ext uri="{FF2B5EF4-FFF2-40B4-BE49-F238E27FC236}">
-                <a16:creationId xmlns:a16="http://schemas.microsoft.com/office/drawing/2014/main" id="{B9171AC0-9573-F6CE-A880-D1682CF4ED86}"/>
+                <a16:creationId xmlns:a16="http://schemas.microsoft.com/office/drawing/2014/main" xmlns="" id="{B9171AC0-9573-F6CE-A880-D1682CF4ED86}"/>
               </a:ext>
             </a:extLst>
           </p:cNvPr>
@@ -3522,7 +3529,7 @@
           <p:cNvPr id="2" name="Título 1">
             <a:extLst>
               <a:ext uri="{FF2B5EF4-FFF2-40B4-BE49-F238E27FC236}">
-                <a16:creationId xmlns:a16="http://schemas.microsoft.com/office/drawing/2014/main" id="{C8FFF79C-B351-53C7-E556-AAF1B74D28AC}"/>
+                <a16:creationId xmlns:a16="http://schemas.microsoft.com/office/drawing/2014/main" xmlns="" id="{C8FFF79C-B351-53C7-E556-AAF1B74D28AC}"/>
               </a:ext>
             </a:extLst>
           </p:cNvPr>
@@ -3550,7 +3557,7 @@
           <p:cNvPr id="5" name="Espaço Reservado para Conteúdo 4">
             <a:extLst>
               <a:ext uri="{FF2B5EF4-FFF2-40B4-BE49-F238E27FC236}">
-                <a16:creationId xmlns:a16="http://schemas.microsoft.com/office/drawing/2014/main" id="{671F5821-A3FF-EEE8-4A35-6E4D8F3A8DD2}"/>
+                <a16:creationId xmlns:a16="http://schemas.microsoft.com/office/drawing/2014/main" xmlns="" id="{671F5821-A3FF-EEE8-4A35-6E4D8F3A8DD2}"/>
               </a:ext>
             </a:extLst>
           </p:cNvPr>
@@ -3609,7 +3616,7 @@
           <p:cNvPr id="2" name="Título 1">
             <a:extLst>
               <a:ext uri="{FF2B5EF4-FFF2-40B4-BE49-F238E27FC236}">
-                <a16:creationId xmlns:a16="http://schemas.microsoft.com/office/drawing/2014/main" id="{87C2399E-B344-B943-3A01-B5519031F162}"/>
+                <a16:creationId xmlns:a16="http://schemas.microsoft.com/office/drawing/2014/main" xmlns="" id="{87C2399E-B344-B943-3A01-B5519031F162}"/>
               </a:ext>
             </a:extLst>
           </p:cNvPr>
@@ -3637,7 +3644,7 @@
           <p:cNvPr id="5" name="Espaço Reservado para Conteúdo 4">
             <a:extLst>
               <a:ext uri="{FF2B5EF4-FFF2-40B4-BE49-F238E27FC236}">
-                <a16:creationId xmlns:a16="http://schemas.microsoft.com/office/drawing/2014/main" id="{25ABF4DE-F9DE-B1EB-9E62-D9E57F9EDA86}"/>
+                <a16:creationId xmlns:a16="http://schemas.microsoft.com/office/drawing/2014/main" xmlns="" id="{25ABF4DE-F9DE-B1EB-9E62-D9E57F9EDA86}"/>
               </a:ext>
             </a:extLst>
           </p:cNvPr>
@@ -3696,7 +3703,7 @@
           <p:cNvPr id="2" name="Título 1">
             <a:extLst>
               <a:ext uri="{FF2B5EF4-FFF2-40B4-BE49-F238E27FC236}">
-                <a16:creationId xmlns:a16="http://schemas.microsoft.com/office/drawing/2014/main" id="{5C8A400B-4A7A-1841-70B2-57F43B31D32C}"/>
+                <a16:creationId xmlns:a16="http://schemas.microsoft.com/office/drawing/2014/main" xmlns="" id="{5C8A400B-4A7A-1841-70B2-57F43B31D32C}"/>
               </a:ext>
             </a:extLst>
           </p:cNvPr>
@@ -3724,7 +3731,7 @@
           <p:cNvPr id="5" name="Espaço Reservado para Conteúdo 4">
             <a:extLst>
               <a:ext uri="{FF2B5EF4-FFF2-40B4-BE49-F238E27FC236}">
-                <a16:creationId xmlns:a16="http://schemas.microsoft.com/office/drawing/2014/main" id="{F5456887-B82E-E11E-39A1-73407404138B}"/>
+                <a16:creationId xmlns:a16="http://schemas.microsoft.com/office/drawing/2014/main" xmlns="" id="{F5456887-B82E-E11E-39A1-73407404138B}"/>
               </a:ext>
             </a:extLst>
           </p:cNvPr>
@@ -3783,7 +3790,7 @@
           <p:cNvPr id="2" name="Título 1">
             <a:extLst>
               <a:ext uri="{FF2B5EF4-FFF2-40B4-BE49-F238E27FC236}">
-                <a16:creationId xmlns:a16="http://schemas.microsoft.com/office/drawing/2014/main" id="{25185DDB-4B2A-AF19-0386-9AD9F934F6D8}"/>
+                <a16:creationId xmlns:a16="http://schemas.microsoft.com/office/drawing/2014/main" xmlns="" id="{25185DDB-4B2A-AF19-0386-9AD9F934F6D8}"/>
               </a:ext>
             </a:extLst>
           </p:cNvPr>
@@ -3808,7 +3815,7 @@
           <p:cNvPr id="5" name="Espaço Reservado para Conteúdo 4">
             <a:extLst>
               <a:ext uri="{FF2B5EF4-FFF2-40B4-BE49-F238E27FC236}">
-                <a16:creationId xmlns:a16="http://schemas.microsoft.com/office/drawing/2014/main" id="{048DD9FB-3C62-C7DE-5043-9EA06F2C8A83}"/>
+                <a16:creationId xmlns:a16="http://schemas.microsoft.com/office/drawing/2014/main" xmlns="" id="{048DD9FB-3C62-C7DE-5043-9EA06F2C8A83}"/>
               </a:ext>
             </a:extLst>
           </p:cNvPr>
@@ -3867,7 +3874,7 @@
           <p:cNvPr id="2" name="Título 1">
             <a:extLst>
               <a:ext uri="{FF2B5EF4-FFF2-40B4-BE49-F238E27FC236}">
-                <a16:creationId xmlns:a16="http://schemas.microsoft.com/office/drawing/2014/main" id="{040A8474-04C7-149D-99E9-828A47856D12}"/>
+                <a16:creationId xmlns:a16="http://schemas.microsoft.com/office/drawing/2014/main" xmlns="" id="{040A8474-04C7-149D-99E9-828A47856D12}"/>
               </a:ext>
             </a:extLst>
           </p:cNvPr>
@@ -3895,7 +3902,7 @@
           <p:cNvPr id="5" name="Espaço Reservado para Conteúdo 4">
             <a:extLst>
               <a:ext uri="{FF2B5EF4-FFF2-40B4-BE49-F238E27FC236}">
-                <a16:creationId xmlns:a16="http://schemas.microsoft.com/office/drawing/2014/main" id="{17BBD315-BD2F-5B38-65D2-C497735274BA}"/>
+                <a16:creationId xmlns:a16="http://schemas.microsoft.com/office/drawing/2014/main" xmlns="" id="{17BBD315-BD2F-5B38-65D2-C497735274BA}"/>
               </a:ext>
             </a:extLst>
           </p:cNvPr>
@@ -3954,7 +3961,7 @@
           <p:cNvPr id="2" name="Título 1">
             <a:extLst>
               <a:ext uri="{FF2B5EF4-FFF2-40B4-BE49-F238E27FC236}">
-                <a16:creationId xmlns:a16="http://schemas.microsoft.com/office/drawing/2014/main" id="{78661CCB-B5D1-90F5-638D-51B87D4040C8}"/>
+                <a16:creationId xmlns:a16="http://schemas.microsoft.com/office/drawing/2014/main" xmlns="" id="{78661CCB-B5D1-90F5-638D-51B87D4040C8}"/>
               </a:ext>
             </a:extLst>
           </p:cNvPr>
@@ -3979,7 +3986,7 @@
           <p:cNvPr id="3" name="Espaço Reservado para Conteúdo 2">
             <a:extLst>
               <a:ext uri="{FF2B5EF4-FFF2-40B4-BE49-F238E27FC236}">
-                <a16:creationId xmlns:a16="http://schemas.microsoft.com/office/drawing/2014/main" id="{9AE082BD-D94C-03AA-6D5A-41724A9F9613}"/>
+                <a16:creationId xmlns:a16="http://schemas.microsoft.com/office/drawing/2014/main" xmlns="" id="{9AE082BD-D94C-03AA-6D5A-41724A9F9613}"/>
               </a:ext>
             </a:extLst>
           </p:cNvPr>
@@ -4004,7 +4011,7 @@
           <p:cNvPr id="5" name="Espaço Reservado para Conteúdo 4">
             <a:extLst>
               <a:ext uri="{FF2B5EF4-FFF2-40B4-BE49-F238E27FC236}">
-                <a16:creationId xmlns:a16="http://schemas.microsoft.com/office/drawing/2014/main" id="{A3581BC5-D35B-9055-F366-EBC93885CED9}"/>
+                <a16:creationId xmlns:a16="http://schemas.microsoft.com/office/drawing/2014/main" xmlns="" id="{A3581BC5-D35B-9055-F366-EBC93885CED9}"/>
               </a:ext>
             </a:extLst>
           </p:cNvPr>
@@ -4064,7 +4071,7 @@
           <p:cNvPr id="2" name="Título 1">
             <a:extLst>
               <a:ext uri="{FF2B5EF4-FFF2-40B4-BE49-F238E27FC236}">
-                <a16:creationId xmlns:a16="http://schemas.microsoft.com/office/drawing/2014/main" id="{2224D3BF-3526-A19F-FB3C-2F1039DE8593}"/>
+                <a16:creationId xmlns:a16="http://schemas.microsoft.com/office/drawing/2014/main" xmlns="" id="{2224D3BF-3526-A19F-FB3C-2F1039DE8593}"/>
               </a:ext>
             </a:extLst>
           </p:cNvPr>
@@ -4089,7 +4096,7 @@
           <p:cNvPr id="7" name="Imagem 6">
             <a:extLst>
               <a:ext uri="{FF2B5EF4-FFF2-40B4-BE49-F238E27FC236}">
-                <a16:creationId xmlns:a16="http://schemas.microsoft.com/office/drawing/2014/main" id="{C2AF5235-3B9A-608A-DF1D-E84002B536C3}"/>
+                <a16:creationId xmlns:a16="http://schemas.microsoft.com/office/drawing/2014/main" xmlns="" id="{C2AF5235-3B9A-608A-DF1D-E84002B536C3}"/>
               </a:ext>
             </a:extLst>
           </p:cNvPr>
@@ -4119,7 +4126,7 @@
           <p:cNvPr id="9" name="Espaço Reservado para Conteúdo 8">
             <a:extLst>
               <a:ext uri="{FF2B5EF4-FFF2-40B4-BE49-F238E27FC236}">
-                <a16:creationId xmlns:a16="http://schemas.microsoft.com/office/drawing/2014/main" id="{5EDC3475-C426-0E72-212D-A1A8947A6422}"/>
+                <a16:creationId xmlns:a16="http://schemas.microsoft.com/office/drawing/2014/main" xmlns="" id="{5EDC3475-C426-0E72-212D-A1A8947A6422}"/>
               </a:ext>
             </a:extLst>
           </p:cNvPr>
@@ -4174,7 +4181,7 @@
           <p:cNvPr id="2" name="Título 1">
             <a:extLst>
               <a:ext uri="{FF2B5EF4-FFF2-40B4-BE49-F238E27FC236}">
-                <a16:creationId xmlns:a16="http://schemas.microsoft.com/office/drawing/2014/main" id="{6C09376A-66C6-D658-344F-CB483642047E}"/>
+                <a16:creationId xmlns:a16="http://schemas.microsoft.com/office/drawing/2014/main" xmlns="" id="{6C09376A-66C6-D658-344F-CB483642047E}"/>
               </a:ext>
             </a:extLst>
           </p:cNvPr>
@@ -4202,7 +4209,7 @@
           <p:cNvPr id="5" name="Espaço Reservado para Conteúdo 4">
             <a:extLst>
               <a:ext uri="{FF2B5EF4-FFF2-40B4-BE49-F238E27FC236}">
-                <a16:creationId xmlns:a16="http://schemas.microsoft.com/office/drawing/2014/main" id="{9CE5BEDC-48EA-384D-ADF3-475B71EF8861}"/>
+                <a16:creationId xmlns:a16="http://schemas.microsoft.com/office/drawing/2014/main" xmlns="" id="{9CE5BEDC-48EA-384D-ADF3-475B71EF8861}"/>
               </a:ext>
             </a:extLst>
           </p:cNvPr>
@@ -4231,7 +4238,7 @@
           <p:cNvPr id="7" name="Imagem 6">
             <a:extLst>
               <a:ext uri="{FF2B5EF4-FFF2-40B4-BE49-F238E27FC236}">
-                <a16:creationId xmlns:a16="http://schemas.microsoft.com/office/drawing/2014/main" id="{C483C072-0741-2AD0-84EF-2BE690883C4C}"/>
+                <a16:creationId xmlns:a16="http://schemas.microsoft.com/office/drawing/2014/main" xmlns="" id="{C483C072-0741-2AD0-84EF-2BE690883C4C}"/>
               </a:ext>
             </a:extLst>
           </p:cNvPr>
@@ -4291,7 +4298,7 @@
           <p:cNvPr id="2" name="Título 1">
             <a:extLst>
               <a:ext uri="{FF2B5EF4-FFF2-40B4-BE49-F238E27FC236}">
-                <a16:creationId xmlns:a16="http://schemas.microsoft.com/office/drawing/2014/main" id="{A960DEEB-AF45-1C9F-4323-CDB448361A43}"/>
+                <a16:creationId xmlns:a16="http://schemas.microsoft.com/office/drawing/2014/main" xmlns="" id="{A960DEEB-AF45-1C9F-4323-CDB448361A43}"/>
               </a:ext>
             </a:extLst>
           </p:cNvPr>
@@ -4319,7 +4326,7 @@
           <p:cNvPr id="5" name="Espaço Reservado para Conteúdo 4">
             <a:extLst>
               <a:ext uri="{FF2B5EF4-FFF2-40B4-BE49-F238E27FC236}">
-                <a16:creationId xmlns:a16="http://schemas.microsoft.com/office/drawing/2014/main" id="{B6D6DA61-82CE-BED6-9689-3FF5141DCDFF}"/>
+                <a16:creationId xmlns:a16="http://schemas.microsoft.com/office/drawing/2014/main" xmlns="" id="{B6D6DA61-82CE-BED6-9689-3FF5141DCDFF}"/>
               </a:ext>
             </a:extLst>
           </p:cNvPr>
@@ -4378,7 +4385,7 @@
           <p:cNvPr id="2" name="Título 1">
             <a:extLst>
               <a:ext uri="{FF2B5EF4-FFF2-40B4-BE49-F238E27FC236}">
-                <a16:creationId xmlns:a16="http://schemas.microsoft.com/office/drawing/2014/main" id="{D6F1D922-1ECC-C761-5C3D-1196C10D5A50}"/>
+                <a16:creationId xmlns:a16="http://schemas.microsoft.com/office/drawing/2014/main" xmlns="" id="{D6F1D922-1ECC-C761-5C3D-1196C10D5A50}"/>
               </a:ext>
             </a:extLst>
           </p:cNvPr>
@@ -4407,7 +4414,7 @@
           <p:cNvPr id="5" name="Espaço Reservado para Conteúdo 4">
             <a:extLst>
               <a:ext uri="{FF2B5EF4-FFF2-40B4-BE49-F238E27FC236}">
-                <a16:creationId xmlns:a16="http://schemas.microsoft.com/office/drawing/2014/main" id="{055647D1-A6B5-1818-AA39-4A16248A12F7}"/>
+                <a16:creationId xmlns:a16="http://schemas.microsoft.com/office/drawing/2014/main" xmlns="" id="{055647D1-A6B5-1818-AA39-4A16248A12F7}"/>
               </a:ext>
             </a:extLst>
           </p:cNvPr>
@@ -4472,7 +4479,7 @@
           <p:cNvPr id="2" name="Título 1">
             <a:extLst>
               <a:ext uri="{FF2B5EF4-FFF2-40B4-BE49-F238E27FC236}">
-                <a16:creationId xmlns:a16="http://schemas.microsoft.com/office/drawing/2014/main" id="{539218A8-02AC-F09F-2D83-69425BEA8647}"/>
+                <a16:creationId xmlns:a16="http://schemas.microsoft.com/office/drawing/2014/main" xmlns="" id="{539218A8-02AC-F09F-2D83-69425BEA8647}"/>
               </a:ext>
             </a:extLst>
           </p:cNvPr>
@@ -4517,7 +4524,7 @@
           <p:cNvPr id="5" name="Espaço Reservado para Conteúdo 4">
             <a:extLst>
               <a:ext uri="{FF2B5EF4-FFF2-40B4-BE49-F238E27FC236}">
-                <a16:creationId xmlns:a16="http://schemas.microsoft.com/office/drawing/2014/main" id="{2D8D5F56-3833-8E77-0D1C-CFE24FEB413F}"/>
+                <a16:creationId xmlns:a16="http://schemas.microsoft.com/office/drawing/2014/main" xmlns="" id="{2D8D5F56-3833-8E77-0D1C-CFE24FEB413F}"/>
               </a:ext>
             </a:extLst>
           </p:cNvPr>
@@ -4869,7 +4876,7 @@
   <a:extraClrSchemeLst/>
   <a:extLst>
     <a:ext uri="{05A4C25C-085E-4340-85A3-A5531E510DB2}">
-      <thm15:themeFamily xmlns:thm15="http://schemas.microsoft.com/office/thememl/2012/main" name="Office Theme" id="{2E142A2C-CD16-42D6-873A-C26D2A0506FA}" vid="{1BDDFF52-6CD6-40A5-AB3C-68EB2F1E4D0A}"/>
+      <thm15:themeFamily xmlns:thm15="http://schemas.microsoft.com/office/thememl/2012/main" xmlns="" name="Office Theme" id="{2E142A2C-CD16-42D6-873A-C26D2A0506FA}" vid="{1BDDFF52-6CD6-40A5-AB3C-68EB2F1E4D0A}"/>
     </a:ext>
   </a:extLst>
 </a:theme>
